--- a/Analyse stratégique de XXXXXXXXXXXX.pptx
+++ b/Analyse stratégique de XXXXXXXXXXXX.pptx
@@ -2,7 +2,7 @@
 <file path=ppt/presentation.xml><?xml version="1.0" encoding="utf-8"?>
 <p:presentation xmlns:a="http://schemas.openxmlformats.org/drawingml/2006/main" xmlns:r="http://schemas.openxmlformats.org/officeDocument/2006/relationships" xmlns:p="http://schemas.openxmlformats.org/presentationml/2006/main" saveSubsetFonts="1">
   <p:sldMasterIdLst>
-    <p:sldMasterId id="2147483678" r:id="rId1"/>
+    <p:sldMasterId id="2147483732" r:id="rId1"/>
   </p:sldMasterIdLst>
   <p:sldIdLst>
     <p:sldId id="256" r:id="rId2"/>
@@ -106,6 +106,11 @@
       </a:defRPr>
     </a:lvl9pPr>
   </p:defaultTextStyle>
+  <p:extLst>
+    <p:ext uri="{EFAFB233-063F-42B5-8137-9DF3F51BA10A}">
+      <p15:sldGuideLst xmlns:p15="http://schemas.microsoft.com/office/powerpoint/2012/main"/>
+    </p:ext>
+  </p:extLst>
 </p:presentation>
 </file>
 
@@ -383,7 +388,7 @@
           <a:p>
             <a:fld id="{3EB55530-8EFB-4E24-90E1-908DE8AEE365}" type="datetimeFigureOut">
               <a:rPr lang="fr-FR" smtClean="0"/>
-              <a:t>17/04/2015</a:t>
+              <a:t>18/04/2015</a:t>
             </a:fld>
             <a:endParaRPr lang="fr-FR"/>
           </a:p>
@@ -439,7 +444,7 @@
     </p:spTree>
     <p:extLst>
       <p:ext uri="{BB962C8B-B14F-4D97-AF65-F5344CB8AC3E}">
-        <p14:creationId xmlns:p14="http://schemas.microsoft.com/office/powerpoint/2010/main" val="2497773187"/>
+        <p14:creationId xmlns:p14="http://schemas.microsoft.com/office/powerpoint/2010/main" val="2243777628"/>
       </p:ext>
     </p:extLst>
   </p:cSld>
@@ -797,7 +802,7 @@
           <a:p>
             <a:fld id="{3EB55530-8EFB-4E24-90E1-908DE8AEE365}" type="datetimeFigureOut">
               <a:rPr lang="fr-FR" smtClean="0"/>
-              <a:t>17/04/2015</a:t>
+              <a:t>18/04/2015</a:t>
             </a:fld>
             <a:endParaRPr lang="fr-FR"/>
           </a:p>
@@ -853,7 +858,7 @@
     </p:spTree>
     <p:extLst>
       <p:ext uri="{BB962C8B-B14F-4D97-AF65-F5344CB8AC3E}">
-        <p14:creationId xmlns:p14="http://schemas.microsoft.com/office/powerpoint/2010/main" val="607011269"/>
+        <p14:creationId xmlns:p14="http://schemas.microsoft.com/office/powerpoint/2010/main" val="2413035015"/>
       </p:ext>
     </p:extLst>
   </p:cSld>
@@ -1133,7 +1138,7 @@
           <a:p>
             <a:fld id="{3EB55530-8EFB-4E24-90E1-908DE8AEE365}" type="datetimeFigureOut">
               <a:rPr lang="fr-FR" smtClean="0"/>
-              <a:t>17/04/2015</a:t>
+              <a:t>18/04/2015</a:t>
             </a:fld>
             <a:endParaRPr lang="fr-FR"/>
           </a:p>
@@ -1189,7 +1194,7 @@
     </p:spTree>
     <p:extLst>
       <p:ext uri="{BB962C8B-B14F-4D97-AF65-F5344CB8AC3E}">
-        <p14:creationId xmlns:p14="http://schemas.microsoft.com/office/powerpoint/2010/main" val="775400110"/>
+        <p14:creationId xmlns:p14="http://schemas.microsoft.com/office/powerpoint/2010/main" val="3984207761"/>
       </p:ext>
     </p:extLst>
   </p:cSld>
@@ -1538,7 +1543,7 @@
           <a:p>
             <a:fld id="{3EB55530-8EFB-4E24-90E1-908DE8AEE365}" type="datetimeFigureOut">
               <a:rPr lang="fr-FR" smtClean="0"/>
-              <a:t>17/04/2015</a:t>
+              <a:t>18/04/2015</a:t>
             </a:fld>
             <a:endParaRPr lang="fr-FR"/>
           </a:p>
@@ -1826,7 +1831,7 @@
     </p:spTree>
     <p:extLst>
       <p:ext uri="{BB962C8B-B14F-4D97-AF65-F5344CB8AC3E}">
-        <p14:creationId xmlns:p14="http://schemas.microsoft.com/office/powerpoint/2010/main" val="2217183110"/>
+        <p14:creationId xmlns:p14="http://schemas.microsoft.com/office/powerpoint/2010/main" val="1434355399"/>
       </p:ext>
     </p:extLst>
   </p:cSld>
@@ -2106,7 +2111,7 @@
           <a:p>
             <a:fld id="{3EB55530-8EFB-4E24-90E1-908DE8AEE365}" type="datetimeFigureOut">
               <a:rPr lang="fr-FR" smtClean="0"/>
-              <a:t>17/04/2015</a:t>
+              <a:t>18/04/2015</a:t>
             </a:fld>
             <a:endParaRPr lang="fr-FR"/>
           </a:p>
@@ -2162,7 +2167,7 @@
     </p:spTree>
     <p:extLst>
       <p:ext uri="{BB962C8B-B14F-4D97-AF65-F5344CB8AC3E}">
-        <p14:creationId xmlns:p14="http://schemas.microsoft.com/office/powerpoint/2010/main" val="4257985033"/>
+        <p14:creationId xmlns:p14="http://schemas.microsoft.com/office/powerpoint/2010/main" val="1335225718"/>
       </p:ext>
     </p:extLst>
   </p:cSld>
@@ -2787,7 +2792,7 @@
           <a:p>
             <a:fld id="{3EB55530-8EFB-4E24-90E1-908DE8AEE365}" type="datetimeFigureOut">
               <a:rPr lang="fr-FR" smtClean="0"/>
-              <a:t>17/04/2015</a:t>
+              <a:t>18/04/2015</a:t>
             </a:fld>
             <a:endParaRPr lang="fr-FR"/>
           </a:p>
@@ -2838,7 +2843,7 @@
     </p:spTree>
     <p:extLst>
       <p:ext uri="{BB962C8B-B14F-4D97-AF65-F5344CB8AC3E}">
-        <p14:creationId xmlns:p14="http://schemas.microsoft.com/office/powerpoint/2010/main" val="4094182292"/>
+        <p14:creationId xmlns:p14="http://schemas.microsoft.com/office/powerpoint/2010/main" val="3494487015"/>
       </p:ext>
     </p:extLst>
   </p:cSld>
@@ -3700,7 +3705,7 @@
           <a:p>
             <a:fld id="{3EB55530-8EFB-4E24-90E1-908DE8AEE365}" type="datetimeFigureOut">
               <a:rPr lang="fr-FR" smtClean="0"/>
-              <a:t>17/04/2015</a:t>
+              <a:t>18/04/2015</a:t>
             </a:fld>
             <a:endParaRPr lang="fr-FR"/>
           </a:p>
@@ -3751,7 +3756,7 @@
     </p:spTree>
     <p:extLst>
       <p:ext uri="{BB962C8B-B14F-4D97-AF65-F5344CB8AC3E}">
-        <p14:creationId xmlns:p14="http://schemas.microsoft.com/office/powerpoint/2010/main" val="3406056130"/>
+        <p14:creationId xmlns:p14="http://schemas.microsoft.com/office/powerpoint/2010/main" val="1551067204"/>
       </p:ext>
     </p:extLst>
   </p:cSld>
@@ -4013,7 +4018,7 @@
           <a:p>
             <a:fld id="{3EB55530-8EFB-4E24-90E1-908DE8AEE365}" type="datetimeFigureOut">
               <a:rPr lang="fr-FR" smtClean="0"/>
-              <a:t>17/04/2015</a:t>
+              <a:t>18/04/2015</a:t>
             </a:fld>
             <a:endParaRPr lang="fr-FR"/>
           </a:p>
@@ -4064,7 +4069,7 @@
     </p:spTree>
     <p:extLst>
       <p:ext uri="{BB962C8B-B14F-4D97-AF65-F5344CB8AC3E}">
-        <p14:creationId xmlns:p14="http://schemas.microsoft.com/office/powerpoint/2010/main" val="1516768560"/>
+        <p14:creationId xmlns:p14="http://schemas.microsoft.com/office/powerpoint/2010/main" val="4087580626"/>
       </p:ext>
     </p:extLst>
   </p:cSld>
@@ -4277,7 +4282,7 @@
           <a:p>
             <a:fld id="{3EB55530-8EFB-4E24-90E1-908DE8AEE365}" type="datetimeFigureOut">
               <a:rPr lang="fr-FR" smtClean="0"/>
-              <a:t>17/04/2015</a:t>
+              <a:t>18/04/2015</a:t>
             </a:fld>
             <a:endParaRPr lang="fr-FR"/>
           </a:p>
@@ -4342,7 +4347,7 @@
     </p:spTree>
     <p:extLst>
       <p:ext uri="{BB962C8B-B14F-4D97-AF65-F5344CB8AC3E}">
-        <p14:creationId xmlns:p14="http://schemas.microsoft.com/office/powerpoint/2010/main" val="1681642893"/>
+        <p14:creationId xmlns:p14="http://schemas.microsoft.com/office/powerpoint/2010/main" val="700151427"/>
       </p:ext>
     </p:extLst>
   </p:cSld>
@@ -4543,82 +4548,64 @@
         </p:nvSpPr>
         <p:spPr/>
         <p:txBody>
-          <a:bodyPr>
-            <a:normAutofit/>
-          </a:bodyPr>
-          <a:lstStyle>
-            <a:lvl1pPr>
-              <a:defRPr sz="2400"/>
-            </a:lvl1pPr>
-            <a:lvl2pPr>
-              <a:defRPr sz="2000"/>
-            </a:lvl2pPr>
-            <a:lvl3pPr>
-              <a:defRPr sz="1800"/>
-            </a:lvl3pPr>
-            <a:lvl4pPr>
-              <a:defRPr sz="1600"/>
-            </a:lvl4pPr>
-            <a:lvl5pPr>
-              <a:defRPr sz="1600"/>
-            </a:lvl5pPr>
-          </a:lstStyle>
-          <a:p>
-            <a:pPr lvl="0"/>
-            <a:r>
-              <a:rPr lang="fr-FR" smtClean="0"/>
-              <a:t>Modifiez les styles du texte du masque</a:t>
-            </a:r>
-          </a:p>
-          <a:p>
-            <a:pPr lvl="1"/>
-            <a:r>
-              <a:rPr lang="fr-FR" smtClean="0"/>
-              <a:t>Deuxième niveau</a:t>
-            </a:r>
-          </a:p>
-          <a:p>
-            <a:pPr lvl="2"/>
-            <a:r>
-              <a:rPr lang="fr-FR" smtClean="0"/>
-              <a:t>Troisième niveau</a:t>
-            </a:r>
-          </a:p>
-          <a:p>
-            <a:pPr lvl="3"/>
-            <a:r>
-              <a:rPr lang="fr-FR" smtClean="0"/>
-              <a:t>Quatrième niveau</a:t>
-            </a:r>
-          </a:p>
-          <a:p>
-            <a:pPr lvl="4"/>
-            <a:r>
-              <a:rPr lang="fr-FR" smtClean="0"/>
-              <a:t>Cinquième niveau</a:t>
-            </a:r>
-            <a:endParaRPr lang="en-US" dirty="0"/>
-          </a:p>
-        </p:txBody>
-      </p:sp>
-      <p:sp>
-        <p:nvSpPr>
-          <p:cNvPr id="4" name="Date Placeholder 3"/>
-          <p:cNvSpPr>
-            <a:spLocks noGrp="1"/>
-          </p:cNvSpPr>
-          <p:nvPr>
-            <p:ph type="dt" sz="half" idx="10"/>
-          </p:nvPr>
-        </p:nvSpPr>
-        <p:spPr/>
-        <p:txBody>
           <a:bodyPr/>
           <a:lstStyle/>
           <a:p>
+            <a:pPr lvl="0"/>
+            <a:r>
+              <a:rPr lang="fr-FR" smtClean="0"/>
+              <a:t>Modifiez les styles du texte du masque</a:t>
+            </a:r>
+          </a:p>
+          <a:p>
+            <a:pPr lvl="1"/>
+            <a:r>
+              <a:rPr lang="fr-FR" smtClean="0"/>
+              <a:t>Deuxième niveau</a:t>
+            </a:r>
+          </a:p>
+          <a:p>
+            <a:pPr lvl="2"/>
+            <a:r>
+              <a:rPr lang="fr-FR" smtClean="0"/>
+              <a:t>Troisième niveau</a:t>
+            </a:r>
+          </a:p>
+          <a:p>
+            <a:pPr lvl="3"/>
+            <a:r>
+              <a:rPr lang="fr-FR" smtClean="0"/>
+              <a:t>Quatrième niveau</a:t>
+            </a:r>
+          </a:p>
+          <a:p>
+            <a:pPr lvl="4"/>
+            <a:r>
+              <a:rPr lang="fr-FR" smtClean="0"/>
+              <a:t>Cinquième niveau</a:t>
+            </a:r>
+            <a:endParaRPr lang="en-US" dirty="0"/>
+          </a:p>
+        </p:txBody>
+      </p:sp>
+      <p:sp>
+        <p:nvSpPr>
+          <p:cNvPr id="4" name="Date Placeholder 3"/>
+          <p:cNvSpPr>
+            <a:spLocks noGrp="1"/>
+          </p:cNvSpPr>
+          <p:nvPr>
+            <p:ph type="dt" sz="half" idx="10"/>
+          </p:nvPr>
+        </p:nvSpPr>
+        <p:spPr/>
+        <p:txBody>
+          <a:bodyPr/>
+          <a:lstStyle/>
+          <a:p>
             <a:fld id="{3EB55530-8EFB-4E24-90E1-908DE8AEE365}" type="datetimeFigureOut">
               <a:rPr lang="fr-FR" smtClean="0"/>
-              <a:t>17/04/2015</a:t>
+              <a:t>18/04/2015</a:t>
             </a:fld>
             <a:endParaRPr lang="fr-FR"/>
           </a:p>
@@ -4669,7 +4656,7 @@
     </p:spTree>
     <p:extLst>
       <p:ext uri="{BB962C8B-B14F-4D97-AF65-F5344CB8AC3E}">
-        <p14:creationId xmlns:p14="http://schemas.microsoft.com/office/powerpoint/2010/main" val="2325164919"/>
+        <p14:creationId xmlns:p14="http://schemas.microsoft.com/office/powerpoint/2010/main" val="4136278831"/>
       </p:ext>
     </p:extLst>
   </p:cSld>
@@ -5007,7 +4994,7 @@
           <a:p>
             <a:fld id="{3EB55530-8EFB-4E24-90E1-908DE8AEE365}" type="datetimeFigureOut">
               <a:rPr lang="fr-FR" smtClean="0"/>
-              <a:t>17/04/2015</a:t>
+              <a:t>18/04/2015</a:t>
             </a:fld>
             <a:endParaRPr lang="fr-FR"/>
           </a:p>
@@ -5063,7 +5050,7 @@
     </p:spTree>
     <p:extLst>
       <p:ext uri="{BB962C8B-B14F-4D97-AF65-F5344CB8AC3E}">
-        <p14:creationId xmlns:p14="http://schemas.microsoft.com/office/powerpoint/2010/main" val="3703734606"/>
+        <p14:creationId xmlns:p14="http://schemas.microsoft.com/office/powerpoint/2010/main" val="1276746255"/>
       </p:ext>
     </p:extLst>
   </p:cSld>
@@ -5383,7 +5370,7 @@
           <a:p>
             <a:fld id="{3EB55530-8EFB-4E24-90E1-908DE8AEE365}" type="datetimeFigureOut">
               <a:rPr lang="fr-FR" smtClean="0"/>
-              <a:t>17/04/2015</a:t>
+              <a:t>18/04/2015</a:t>
             </a:fld>
             <a:endParaRPr lang="fr-FR"/>
           </a:p>
@@ -5434,7 +5421,7 @@
     </p:spTree>
     <p:extLst>
       <p:ext uri="{BB962C8B-B14F-4D97-AF65-F5344CB8AC3E}">
-        <p14:creationId xmlns:p14="http://schemas.microsoft.com/office/powerpoint/2010/main" val="906684480"/>
+        <p14:creationId xmlns:p14="http://schemas.microsoft.com/office/powerpoint/2010/main" val="1674508647"/>
       </p:ext>
     </p:extLst>
   </p:cSld>
@@ -5889,7 +5876,7 @@
           <a:p>
             <a:fld id="{3EB55530-8EFB-4E24-90E1-908DE8AEE365}" type="datetimeFigureOut">
               <a:rPr lang="fr-FR" smtClean="0"/>
-              <a:t>17/04/2015</a:t>
+              <a:t>18/04/2015</a:t>
             </a:fld>
             <a:endParaRPr lang="fr-FR"/>
           </a:p>
@@ -5940,7 +5927,7 @@
     </p:spTree>
     <p:extLst>
       <p:ext uri="{BB962C8B-B14F-4D97-AF65-F5344CB8AC3E}">
-        <p14:creationId xmlns:p14="http://schemas.microsoft.com/office/powerpoint/2010/main" val="1480996893"/>
+        <p14:creationId xmlns:p14="http://schemas.microsoft.com/office/powerpoint/2010/main" val="3708216501"/>
       </p:ext>
     </p:extLst>
   </p:cSld>
@@ -6146,7 +6133,7 @@
           <a:p>
             <a:fld id="{3EB55530-8EFB-4E24-90E1-908DE8AEE365}" type="datetimeFigureOut">
               <a:rPr lang="fr-FR" smtClean="0"/>
-              <a:t>17/04/2015</a:t>
+              <a:t>18/04/2015</a:t>
             </a:fld>
             <a:endParaRPr lang="fr-FR"/>
           </a:p>
@@ -6197,7 +6184,7 @@
     </p:spTree>
     <p:extLst>
       <p:ext uri="{BB962C8B-B14F-4D97-AF65-F5344CB8AC3E}">
-        <p14:creationId xmlns:p14="http://schemas.microsoft.com/office/powerpoint/2010/main" val="2878761454"/>
+        <p14:creationId xmlns:p14="http://schemas.microsoft.com/office/powerpoint/2010/main" val="2079828595"/>
       </p:ext>
     </p:extLst>
   </p:cSld>
@@ -6309,7 +6296,7 @@
           <a:p>
             <a:fld id="{3EB55530-8EFB-4E24-90E1-908DE8AEE365}" type="datetimeFigureOut">
               <a:rPr lang="fr-FR" smtClean="0"/>
-              <a:t>17/04/2015</a:t>
+              <a:t>18/04/2015</a:t>
             </a:fld>
             <a:endParaRPr lang="fr-FR"/>
           </a:p>
@@ -6360,7 +6347,7 @@
     </p:spTree>
     <p:extLst>
       <p:ext uri="{BB962C8B-B14F-4D97-AF65-F5344CB8AC3E}">
-        <p14:creationId xmlns:p14="http://schemas.microsoft.com/office/powerpoint/2010/main" val="980392125"/>
+        <p14:creationId xmlns:p14="http://schemas.microsoft.com/office/powerpoint/2010/main" val="3660250779"/>
       </p:ext>
     </p:extLst>
   </p:cSld>
@@ -6699,7 +6686,7 @@
           <a:p>
             <a:fld id="{3EB55530-8EFB-4E24-90E1-908DE8AEE365}" type="datetimeFigureOut">
               <a:rPr lang="fr-FR" smtClean="0"/>
-              <a:t>17/04/2015</a:t>
+              <a:t>18/04/2015</a:t>
             </a:fld>
             <a:endParaRPr lang="fr-FR"/>
           </a:p>
@@ -6750,7 +6737,7 @@
     </p:spTree>
     <p:extLst>
       <p:ext uri="{BB962C8B-B14F-4D97-AF65-F5344CB8AC3E}">
-        <p14:creationId xmlns:p14="http://schemas.microsoft.com/office/powerpoint/2010/main" val="950798506"/>
+        <p14:creationId xmlns:p14="http://schemas.microsoft.com/office/powerpoint/2010/main" val="2949595444"/>
       </p:ext>
     </p:extLst>
   </p:cSld>
@@ -7108,7 +7095,7 @@
           <a:p>
             <a:fld id="{3EB55530-8EFB-4E24-90E1-908DE8AEE365}" type="datetimeFigureOut">
               <a:rPr lang="fr-FR" smtClean="0"/>
-              <a:t>17/04/2015</a:t>
+              <a:t>18/04/2015</a:t>
             </a:fld>
             <a:endParaRPr lang="fr-FR"/>
           </a:p>
@@ -7159,7 +7146,7 @@
     </p:spTree>
     <p:extLst>
       <p:ext uri="{BB962C8B-B14F-4D97-AF65-F5344CB8AC3E}">
-        <p14:creationId xmlns:p14="http://schemas.microsoft.com/office/powerpoint/2010/main" val="942837465"/>
+        <p14:creationId xmlns:p14="http://schemas.microsoft.com/office/powerpoint/2010/main" val="3523288063"/>
       </p:ext>
     </p:extLst>
   </p:cSld>
@@ -7177,20 +7164,23 @@
         <a:gradFill flip="none" rotWithShape="1">
           <a:gsLst>
             <a:gs pos="0">
-              <a:schemeClr val="bg2"/>
+              <a:schemeClr val="bg1">
+                <a:lumMod val="50000"/>
+                <a:lumOff val="50000"/>
+              </a:schemeClr>
             </a:gs>
             <a:gs pos="50000">
-              <a:schemeClr val="bg2">
+              <a:schemeClr val="tx1">
                 <a:lumMod val="75000"/>
               </a:schemeClr>
             </a:gs>
             <a:gs pos="100000">
-              <a:schemeClr val="bg2">
-                <a:lumMod val="50000"/>
+              <a:schemeClr val="tx1">
+                <a:lumMod val="85000"/>
               </a:schemeClr>
             </a:gs>
           </a:gsLst>
-          <a:lin ang="2520000" scaled="0"/>
+          <a:lin ang="8100000" scaled="1"/>
           <a:tileRect/>
         </a:gradFill>
         <a:effectLst/>
@@ -7371,7 +7361,7 @@
           <a:p>
             <a:fld id="{3EB55530-8EFB-4E24-90E1-908DE8AEE365}" type="datetimeFigureOut">
               <a:rPr lang="fr-FR" smtClean="0"/>
-              <a:t>17/04/2015</a:t>
+              <a:t>18/04/2015</a:t>
             </a:fld>
             <a:endParaRPr lang="fr-FR"/>
           </a:p>
@@ -7458,29 +7448,29 @@
     </p:spTree>
     <p:extLst>
       <p:ext uri="{BB962C8B-B14F-4D97-AF65-F5344CB8AC3E}">
-        <p14:creationId xmlns:p14="http://schemas.microsoft.com/office/powerpoint/2010/main" val="65082335"/>
+        <p14:creationId xmlns:p14="http://schemas.microsoft.com/office/powerpoint/2010/main" val="1507755104"/>
       </p:ext>
     </p:extLst>
   </p:cSld>
   <p:clrMap bg1="dk1" tx1="lt1" bg2="dk2" tx2="lt2" accent1="accent1" accent2="accent2" accent3="accent3" accent4="accent4" accent5="accent5" accent6="accent6" hlink="hlink" folHlink="folHlink"/>
   <p:sldLayoutIdLst>
-    <p:sldLayoutId id="2147483679" r:id="rId1"/>
-    <p:sldLayoutId id="2147483680" r:id="rId2"/>
-    <p:sldLayoutId id="2147483681" r:id="rId3"/>
-    <p:sldLayoutId id="2147483682" r:id="rId4"/>
-    <p:sldLayoutId id="2147483683" r:id="rId5"/>
-    <p:sldLayoutId id="2147483684" r:id="rId6"/>
-    <p:sldLayoutId id="2147483685" r:id="rId7"/>
-    <p:sldLayoutId id="2147483686" r:id="rId8"/>
-    <p:sldLayoutId id="2147483687" r:id="rId9"/>
-    <p:sldLayoutId id="2147483688" r:id="rId10"/>
-    <p:sldLayoutId id="2147483689" r:id="rId11"/>
-    <p:sldLayoutId id="2147483690" r:id="rId12"/>
-    <p:sldLayoutId id="2147483691" r:id="rId13"/>
-    <p:sldLayoutId id="2147483692" r:id="rId14"/>
-    <p:sldLayoutId id="2147483693" r:id="rId15"/>
-    <p:sldLayoutId id="2147483694" r:id="rId16"/>
-    <p:sldLayoutId id="2147483695" r:id="rId17"/>
+    <p:sldLayoutId id="2147483733" r:id="rId1"/>
+    <p:sldLayoutId id="2147483734" r:id="rId2"/>
+    <p:sldLayoutId id="2147483735" r:id="rId3"/>
+    <p:sldLayoutId id="2147483736" r:id="rId4"/>
+    <p:sldLayoutId id="2147483737" r:id="rId5"/>
+    <p:sldLayoutId id="2147483738" r:id="rId6"/>
+    <p:sldLayoutId id="2147483739" r:id="rId7"/>
+    <p:sldLayoutId id="2147483740" r:id="rId8"/>
+    <p:sldLayoutId id="2147483741" r:id="rId9"/>
+    <p:sldLayoutId id="2147483742" r:id="rId10"/>
+    <p:sldLayoutId id="2147483743" r:id="rId11"/>
+    <p:sldLayoutId id="2147483744" r:id="rId12"/>
+    <p:sldLayoutId id="2147483745" r:id="rId13"/>
+    <p:sldLayoutId id="2147483746" r:id="rId14"/>
+    <p:sldLayoutId id="2147483747" r:id="rId15"/>
+    <p:sldLayoutId id="2147483748" r:id="rId16"/>
+    <p:sldLayoutId id="2147483749" r:id="rId17"/>
   </p:sldLayoutIdLst>
   <p:txStyles>
     <p:titleStyle>
@@ -7512,17 +7502,10 @@
         </a:spcBef>
         <a:buFont typeface="Arial" panose="020B0604020202020204" pitchFamily="34" charset="0"/>
         <a:buChar char="•"/>
-        <a:defRPr sz="2000" kern="1200">
+        <a:defRPr sz="2400" kern="1200">
           <a:solidFill>
             <a:schemeClr val="tx1"/>
           </a:solidFill>
-          <a:effectLst>
-            <a:outerShdw blurRad="228600" algn="ctr" rotWithShape="0">
-              <a:prstClr val="black">
-                <a:alpha val="53000"/>
-              </a:prstClr>
-            </a:outerShdw>
-          </a:effectLst>
           <a:latin typeface="+mn-lt"/>
           <a:ea typeface="+mn-ea"/>
           <a:cs typeface="+mn-cs"/>
@@ -7537,17 +7520,10 @@
         </a:spcBef>
         <a:buFont typeface="Arial" panose="020B0604020202020204" pitchFamily="34" charset="0"/>
         <a:buChar char="•"/>
-        <a:defRPr sz="1800" kern="1200">
+        <a:defRPr sz="2000" kern="1200">
           <a:solidFill>
             <a:schemeClr val="tx1"/>
           </a:solidFill>
-          <a:effectLst>
-            <a:outerShdw blurRad="228600" algn="ctr" rotWithShape="0">
-              <a:prstClr val="black">
-                <a:alpha val="53000"/>
-              </a:prstClr>
-            </a:outerShdw>
-          </a:effectLst>
           <a:latin typeface="+mn-lt"/>
           <a:ea typeface="+mn-ea"/>
           <a:cs typeface="+mn-cs"/>
@@ -7562,17 +7538,10 @@
         </a:spcBef>
         <a:buFont typeface="Arial" panose="020B0604020202020204" pitchFamily="34" charset="0"/>
         <a:buChar char="•"/>
-        <a:defRPr sz="1600" kern="1200">
+        <a:defRPr sz="1800" kern="1200">
           <a:solidFill>
             <a:schemeClr val="tx1"/>
           </a:solidFill>
-          <a:effectLst>
-            <a:outerShdw blurRad="228600" algn="ctr" rotWithShape="0">
-              <a:prstClr val="black">
-                <a:alpha val="53000"/>
-              </a:prstClr>
-            </a:outerShdw>
-          </a:effectLst>
           <a:latin typeface="+mn-lt"/>
           <a:ea typeface="+mn-ea"/>
           <a:cs typeface="+mn-cs"/>
@@ -7587,17 +7556,10 @@
         </a:spcBef>
         <a:buFont typeface="Arial" panose="020B0604020202020204" pitchFamily="34" charset="0"/>
         <a:buChar char="•"/>
-        <a:defRPr sz="1400" kern="1200">
+        <a:defRPr sz="1600" kern="1200">
           <a:solidFill>
             <a:schemeClr val="tx1"/>
           </a:solidFill>
-          <a:effectLst>
-            <a:outerShdw blurRad="228600" algn="ctr" rotWithShape="0">
-              <a:prstClr val="black">
-                <a:alpha val="53000"/>
-              </a:prstClr>
-            </a:outerShdw>
-          </a:effectLst>
           <a:latin typeface="+mn-lt"/>
           <a:ea typeface="+mn-ea"/>
           <a:cs typeface="+mn-cs"/>
@@ -7612,17 +7574,10 @@
         </a:spcBef>
         <a:buFont typeface="Arial" panose="020B0604020202020204" pitchFamily="34" charset="0"/>
         <a:buChar char="•"/>
-        <a:defRPr sz="1400" kern="1200">
+        <a:defRPr sz="1600" kern="1200">
           <a:solidFill>
             <a:schemeClr val="tx1"/>
           </a:solidFill>
-          <a:effectLst>
-            <a:outerShdw blurRad="228600" algn="ctr" rotWithShape="0">
-              <a:prstClr val="black">
-                <a:alpha val="53000"/>
-              </a:prstClr>
-            </a:outerShdw>
-          </a:effectLst>
           <a:latin typeface="+mn-lt"/>
           <a:ea typeface="+mn-ea"/>
           <a:cs typeface="+mn-cs"/>
@@ -7859,36 +7814,36 @@
           </a:p>
         </p:txBody>
       </p:sp>
-      <p:sp>
-        <p:nvSpPr>
-          <p:cNvPr id="4" name="ZoneTexte 3"/>
-          <p:cNvSpPr txBox="1"/>
+      <p:pic>
+        <p:nvPicPr>
+          <p:cNvPr id="5" name="Image 4"/>
+          <p:cNvPicPr>
+            <a:picLocks noChangeAspect="1"/>
+          </p:cNvPicPr>
           <p:nvPr/>
-        </p:nvSpPr>
-        <p:spPr>
-          <a:xfrm>
-            <a:off x="9479280" y="2773680"/>
-            <a:ext cx="2529840" cy="369332"/>
+        </p:nvPicPr>
+        <p:blipFill>
+          <a:blip r:embed="rId2">
+            <a:extLst>
+              <a:ext uri="{28A0092B-C50C-407E-A947-70E740481C1C}">
+                <a14:useLocalDpi xmlns:a14="http://schemas.microsoft.com/office/drawing/2010/main" val="0"/>
+              </a:ext>
+            </a:extLst>
+          </a:blip>
+          <a:stretch>
+            <a:fillRect/>
+          </a:stretch>
+        </p:blipFill>
+        <p:spPr>
+          <a:xfrm>
+            <a:off x="9987281" y="2653928"/>
+            <a:ext cx="1413442" cy="1550720"/>
           </a:xfrm>
           <a:prstGeom prst="rect">
             <a:avLst/>
           </a:prstGeom>
-          <a:noFill/>
-        </p:spPr>
-        <p:txBody>
-          <a:bodyPr wrap="square" rtlCol="0">
-            <a:spAutoFit/>
-          </a:bodyPr>
-          <a:lstStyle/>
-          <a:p>
-            <a:r>
-              <a:rPr lang="fr-FR" dirty="0" smtClean="0"/>
-              <a:t>Logo ici</a:t>
-            </a:r>
-            <a:endParaRPr lang="fr-FR" dirty="0"/>
-          </a:p>
-        </p:txBody>
-      </p:sp>
+        </p:spPr>
+      </p:pic>
     </p:spTree>
     <p:extLst>
       <p:ext uri="{BB962C8B-B14F-4D97-AF65-F5344CB8AC3E}">
@@ -7899,6 +7854,13 @@
   <p:clrMapOvr>
     <a:masterClrMapping/>
   </p:clrMapOvr>
+  <p:timing>
+    <p:tnLst>
+      <p:par>
+        <p:cTn id="1" dur="indefinite" restart="never" nodeType="tmRoot"/>
+      </p:par>
+    </p:tnLst>
+  </p:timing>
 </p:sld>
 </file>
 
@@ -7961,21 +7923,37 @@
               <a:buNone/>
             </a:pPr>
             <a:r>
-              <a:rPr lang="fr-FR" dirty="0" smtClean="0"/>
+              <a:rPr lang="fr-FR" dirty="0" smtClean="0">
+                <a:solidFill>
+                  <a:schemeClr val="bg1"/>
+                </a:solidFill>
+              </a:rPr>
               <a:t>I – Etat des lieux du secteur : conditions de base intra-</a:t>
             </a:r>
             <a:r>
-              <a:rPr lang="fr-FR" dirty="0" err="1" smtClean="0"/>
+              <a:rPr lang="fr-FR" dirty="0" err="1" smtClean="0">
+                <a:solidFill>
+                  <a:schemeClr val="bg1"/>
+                </a:solidFill>
+              </a:rPr>
               <a:t>secitorielles</a:t>
             </a:r>
-            <a:endParaRPr lang="fr-FR" dirty="0" smtClean="0"/>
+            <a:endParaRPr lang="fr-FR" dirty="0" smtClean="0">
+              <a:solidFill>
+                <a:schemeClr val="bg1"/>
+              </a:solidFill>
+            </a:endParaRPr>
           </a:p>
           <a:p>
             <a:pPr marL="0" indent="0">
               <a:buNone/>
             </a:pPr>
             <a:r>
-              <a:rPr lang="fr-FR" dirty="0" smtClean="0"/>
+              <a:rPr lang="fr-FR" dirty="0" smtClean="0">
+                <a:solidFill>
+                  <a:schemeClr val="bg1"/>
+                </a:solidFill>
+              </a:rPr>
               <a:t>II – Analyse de la concurrence</a:t>
             </a:r>
           </a:p>
@@ -7984,7 +7962,11 @@
               <a:buNone/>
             </a:pPr>
             <a:r>
-              <a:rPr lang="fr-FR" dirty="0" smtClean="0"/>
+              <a:rPr lang="fr-FR" dirty="0" smtClean="0">
+                <a:solidFill>
+                  <a:schemeClr val="bg1"/>
+                </a:solidFill>
+              </a:rPr>
               <a:t>III – Analyse des attentes clients sur ce marché</a:t>
             </a:r>
           </a:p>
@@ -7993,13 +7975,51 @@
               <a:buNone/>
             </a:pPr>
             <a:r>
-              <a:rPr lang="fr-FR" dirty="0" smtClean="0"/>
+              <a:rPr lang="fr-FR" dirty="0" smtClean="0">
+                <a:solidFill>
+                  <a:schemeClr val="bg1"/>
+                </a:solidFill>
+              </a:rPr>
               <a:t>IV – Facteurs clefs de succès et évaluation de l’entreprise</a:t>
             </a:r>
-            <a:endParaRPr lang="fr-FR" dirty="0"/>
-          </a:p>
-        </p:txBody>
-      </p:sp>
+            <a:endParaRPr lang="fr-FR" dirty="0">
+              <a:solidFill>
+                <a:schemeClr val="bg1"/>
+              </a:solidFill>
+            </a:endParaRPr>
+          </a:p>
+        </p:txBody>
+      </p:sp>
+      <p:pic>
+        <p:nvPicPr>
+          <p:cNvPr id="4" name="Image 3"/>
+          <p:cNvPicPr>
+            <a:picLocks noChangeAspect="1"/>
+          </p:cNvPicPr>
+          <p:nvPr/>
+        </p:nvPicPr>
+        <p:blipFill>
+          <a:blip r:embed="rId2" cstate="print">
+            <a:extLst>
+              <a:ext uri="{28A0092B-C50C-407E-A947-70E740481C1C}">
+                <a14:useLocalDpi xmlns:a14="http://schemas.microsoft.com/office/drawing/2010/main" val="0"/>
+              </a:ext>
+            </a:extLst>
+          </a:blip>
+          <a:stretch>
+            <a:fillRect/>
+          </a:stretch>
+        </p:blipFill>
+        <p:spPr>
+          <a:xfrm>
+            <a:off x="10841449" y="669175"/>
+            <a:ext cx="1086865" cy="1192423"/>
+          </a:xfrm>
+          <a:prstGeom prst="rect">
+            <a:avLst/>
+          </a:prstGeom>
+        </p:spPr>
+      </p:pic>
     </p:spTree>
     <p:extLst>
       <p:ext uri="{BB962C8B-B14F-4D97-AF65-F5344CB8AC3E}">
@@ -8010,6 +8030,13 @@
   <p:clrMapOvr>
     <a:masterClrMapping/>
   </p:clrMapOvr>
+  <p:timing>
+    <p:tnLst>
+      <p:par>
+        <p:cTn id="1" dur="indefinite" restart="never" nodeType="tmRoot"/>
+      </p:par>
+    </p:tnLst>
+  </p:timing>
 </p:sld>
 </file>
 
@@ -8084,7 +8111,7 @@
 <file path=ppt/theme/theme1.xml><?xml version="1.0" encoding="utf-8"?>
 <a:theme xmlns:a="http://schemas.openxmlformats.org/drawingml/2006/main" name="Berlin">
   <a:themeElements>
-    <a:clrScheme name="Berlin">
+    <a:clrScheme name="Personnalisé 2">
       <a:dk1>
         <a:sysClr val="windowText" lastClr="000000"/>
       </a:dk1>
@@ -8092,34 +8119,34 @@
         <a:sysClr val="window" lastClr="FFFFFF"/>
       </a:lt1>
       <a:dk2>
-        <a:srgbClr val="6A9C41"/>
+        <a:srgbClr val="9D360E"/>
       </a:dk2>
       <a:lt2>
         <a:srgbClr val="E7E6E6"/>
       </a:lt2>
       <a:accent1>
-        <a:srgbClr val="A7D535"/>
+        <a:srgbClr val="3F3F3F"/>
       </a:accent1>
       <a:accent2>
-        <a:srgbClr val="EACA4F"/>
+        <a:srgbClr val="C1B56B"/>
       </a:accent2>
       <a:accent3>
-        <a:srgbClr val="FD9850"/>
+        <a:srgbClr val="4BAF73"/>
       </a:accent3>
       <a:accent4>
-        <a:srgbClr val="F46442"/>
+        <a:srgbClr val="5AA6C0"/>
       </a:accent4>
       <a:accent5>
-        <a:srgbClr val="54D289"/>
+        <a:srgbClr val="D17DF9"/>
       </a:accent5>
       <a:accent6>
-        <a:srgbClr val="6AD8CB"/>
+        <a:srgbClr val="FA7E5C"/>
       </a:accent6>
       <a:hlink>
-        <a:srgbClr val="CAFB50"/>
+        <a:srgbClr val="FFAE3E"/>
       </a:hlink>
       <a:folHlink>
-        <a:srgbClr val="DEFF8B"/>
+        <a:srgbClr val="FCC77E"/>
       </a:folHlink>
     </a:clrScheme>
     <a:fontScheme name="Berlin">
@@ -8298,9 +8325,9 @@
               <a:schemeClr val="phClr">
                 <a:tint val="96000"/>
                 <a:shade val="100000"/>
-                <a:hueMod val="92000"/>
+                <a:hueMod val="270000"/>
                 <a:satMod val="200000"/>
-                <a:lumMod val="138000"/>
+                <a:lumMod val="128000"/>
               </a:schemeClr>
             </a:gs>
             <a:gs pos="50000">
@@ -8314,9 +8341,9 @@
             <a:gs pos="100000">
               <a:schemeClr val="phClr">
                 <a:shade val="78000"/>
-                <a:hueMod val="106000"/>
-                <a:satMod val="120000"/>
-                <a:lumMod val="79000"/>
+                <a:hueMod val="44000"/>
+                <a:satMod val="200000"/>
+                <a:lumMod val="69000"/>
               </a:schemeClr>
             </a:gs>
           </a:gsLst>
@@ -8329,7 +8356,7 @@
   <a:extraClrSchemeLst/>
   <a:extLst>
     <a:ext uri="{05A4C25C-085E-4340-85A3-A5531E510DB2}">
-      <thm15:themeFamily xmlns:thm15="http://schemas.microsoft.com/office/thememl/2012/main" name="Berlin" id="{7B5DBA9E-B069-418E-9360-A61BDD0615A4}" vid="{B587E4A9-1405-4B4F-8BC3-512EE08D2EBF}"/>
+      <thm15:themeFamily xmlns:thm15="http://schemas.microsoft.com/office/thememl/2012/main" name="Berlin" id="{7B5DBA9E-B069-418E-9360-A61BDD0615A4}" vid="{C0CBE056-4EF4-4D92-969E-947779DA7AAA}"/>
     </a:ext>
   </a:extLst>
 </a:theme>
